--- a/presentation-source/000master.pptx
+++ b/presentation-source/000master.pptx
@@ -156,7 +156,7 @@
           <a:lstStyle>
             <a:lvl1pPr algn="l">
               <a:defRPr sz="1200">
-                <a:latin typeface="Calisto MT"/>
+                <a:latin typeface="Montserrat"/>
               </a:defRPr>
             </a:lvl1pPr>
           </a:lstStyle>
@@ -189,7 +189,7 @@
           <a:lstStyle>
             <a:lvl1pPr algn="r">
               <a:defRPr sz="1200">
-                <a:latin typeface="Calisto MT"/>
+                <a:latin typeface="Montserrat"/>
               </a:defRPr>
             </a:lvl1pPr>
           </a:lstStyle>
@@ -197,7 +197,7 @@
             <a:fld id="{7307762F-A706-E543-A832-3C298AA3103F}" type="datetimeFigureOut">
               <a:rPr lang="en-US" smtClean="0"/>
               <a:pPr/>
-              <a:t>11/21/14</a:t>
+              <a:t>10/06/16</a:t>
             </a:fld>
             <a:endParaRPr lang="en-US" dirty="0"/>
           </a:p>
@@ -320,7 +320,7 @@
           <a:lstStyle>
             <a:lvl1pPr algn="l">
               <a:defRPr sz="1200">
-                <a:latin typeface="Calisto MT"/>
+                <a:latin typeface="Montserrat"/>
               </a:defRPr>
             </a:lvl1pPr>
           </a:lstStyle>
@@ -353,7 +353,7 @@
           <a:lstStyle>
             <a:lvl1pPr algn="r">
               <a:defRPr sz="1200">
-                <a:latin typeface="Calisto MT"/>
+                <a:latin typeface="Montserrat"/>
               </a:defRPr>
             </a:lvl1pPr>
           </a:lstStyle>
@@ -381,7 +381,7 @@
         <a:solidFill>
           <a:schemeClr val="tx1"/>
         </a:solidFill>
-        <a:latin typeface="Calisto MT"/>
+        <a:latin typeface="Montserrat"/>
         <a:ea typeface="+mn-ea"/>
         <a:cs typeface="+mn-cs"/>
       </a:defRPr>
@@ -391,7 +391,7 @@
         <a:solidFill>
           <a:schemeClr val="tx1"/>
         </a:solidFill>
-        <a:latin typeface="Calisto MT"/>
+        <a:latin typeface="Montserrat"/>
         <a:ea typeface="+mn-ea"/>
         <a:cs typeface="+mn-cs"/>
       </a:defRPr>
@@ -401,7 +401,7 @@
         <a:solidFill>
           <a:schemeClr val="tx1"/>
         </a:solidFill>
-        <a:latin typeface="Calisto MT"/>
+        <a:latin typeface="Montserrat"/>
         <a:ea typeface="+mn-ea"/>
         <a:cs typeface="+mn-cs"/>
       </a:defRPr>
@@ -411,7 +411,7 @@
         <a:solidFill>
           <a:schemeClr val="tx1"/>
         </a:solidFill>
-        <a:latin typeface="Calisto MT"/>
+        <a:latin typeface="Montserrat"/>
         <a:ea typeface="+mn-ea"/>
         <a:cs typeface="+mn-cs"/>
       </a:defRPr>
@@ -421,7 +421,7 @@
         <a:solidFill>
           <a:schemeClr val="tx1"/>
         </a:solidFill>
-        <a:latin typeface="Calisto MT"/>
+        <a:latin typeface="Montserrat"/>
         <a:ea typeface="+mn-ea"/>
         <a:cs typeface="+mn-cs"/>
       </a:defRPr>
@@ -764,7 +764,7 @@
           <a:p>
             <a:fld id="{875CF0EB-321F-0749-B37A-89BBA859503C}" type="datetimeFigureOut">
               <a:rPr lang="en-US" smtClean="0"/>
-              <a:t>11/21/14</a:t>
+              <a:t>10/06/16</a:t>
             </a:fld>
             <a:endParaRPr lang="en-US"/>
           </a:p>
@@ -968,7 +968,7 @@
           <a:p>
             <a:fld id="{875CF0EB-321F-0749-B37A-89BBA859503C}" type="datetimeFigureOut">
               <a:rPr lang="en-US" smtClean="0"/>
-              <a:t>11/21/14</a:t>
+              <a:t>10/06/16</a:t>
             </a:fld>
             <a:endParaRPr lang="en-US"/>
           </a:p>
@@ -1162,7 +1162,7 @@
           <a:p>
             <a:fld id="{875CF0EB-321F-0749-B37A-89BBA859503C}" type="datetimeFigureOut">
               <a:rPr lang="en-US" smtClean="0"/>
-              <a:t>11/21/14</a:t>
+              <a:t>10/06/16</a:t>
             </a:fld>
             <a:endParaRPr lang="en-US"/>
           </a:p>
@@ -1432,7 +1432,7 @@
           <a:p>
             <a:fld id="{875CF0EB-321F-0749-B37A-89BBA859503C}" type="datetimeFigureOut">
               <a:rPr lang="en-US" smtClean="0"/>
-              <a:t>11/21/14</a:t>
+              <a:t>10/06/16</a:t>
             </a:fld>
             <a:endParaRPr lang="en-US"/>
           </a:p>
@@ -1744,7 +1744,7 @@
           <a:p>
             <a:fld id="{875CF0EB-321F-0749-B37A-89BBA859503C}" type="datetimeFigureOut">
               <a:rPr lang="en-US" smtClean="0"/>
-              <a:t>11/21/14</a:t>
+              <a:t>10/06/16</a:t>
             </a:fld>
             <a:endParaRPr lang="en-US"/>
           </a:p>
@@ -2190,7 +2190,7 @@
           <a:p>
             <a:fld id="{875CF0EB-321F-0749-B37A-89BBA859503C}" type="datetimeFigureOut">
               <a:rPr lang="en-US" smtClean="0"/>
-              <a:t>11/21/14</a:t>
+              <a:t>10/06/16</a:t>
             </a:fld>
             <a:endParaRPr lang="en-US"/>
           </a:p>
@@ -2332,7 +2332,7 @@
           <a:p>
             <a:fld id="{875CF0EB-321F-0749-B37A-89BBA859503C}" type="datetimeFigureOut">
               <a:rPr lang="en-US" smtClean="0"/>
-              <a:t>11/21/14</a:t>
+              <a:t>10/06/16</a:t>
             </a:fld>
             <a:endParaRPr lang="en-US"/>
           </a:p>
@@ -2451,7 +2451,7 @@
           <a:p>
             <a:fld id="{875CF0EB-321F-0749-B37A-89BBA859503C}" type="datetimeFigureOut">
               <a:rPr lang="en-US" smtClean="0"/>
-              <a:t>11/21/14</a:t>
+              <a:t>10/06/16</a:t>
             </a:fld>
             <a:endParaRPr lang="en-US"/>
           </a:p>
@@ -2752,7 +2752,7 @@
           <a:p>
             <a:fld id="{875CF0EB-321F-0749-B37A-89BBA859503C}" type="datetimeFigureOut">
               <a:rPr lang="en-US" smtClean="0"/>
-              <a:t>11/21/14</a:t>
+              <a:t>10/06/16</a:t>
             </a:fld>
             <a:endParaRPr lang="en-US"/>
           </a:p>
@@ -3029,7 +3029,7 @@
           <a:p>
             <a:fld id="{875CF0EB-321F-0749-B37A-89BBA859503C}" type="datetimeFigureOut">
               <a:rPr lang="en-US" smtClean="0"/>
-              <a:t>11/21/14</a:t>
+              <a:t>10/06/16</a:t>
             </a:fld>
             <a:endParaRPr lang="en-US"/>
           </a:p>
@@ -3225,7 +3225,7 @@
       </p:sp>
       <p:sp>
         <p:nvSpPr>
-          <p:cNvPr id="21" name="TextBox 20"/>
+          <p:cNvPr id="6" name="TextBox 5"/>
           <p:cNvSpPr txBox="1">
             <a:spLocks noChangeArrowheads="1"/>
           </p:cNvSpPr>
@@ -3233,8 +3233,8 @@
         </p:nvSpPr>
         <p:spPr bwMode="auto">
           <a:xfrm>
-            <a:off x="1046163" y="6092834"/>
-            <a:ext cx="6595551" cy="707886"/>
+            <a:off x="1168930" y="6344711"/>
+            <a:ext cx="4942379" cy="415498"/>
           </a:xfrm>
           <a:prstGeom prst="rect">
             <a:avLst/>
@@ -3406,28 +3406,22 @@
               <a:defRPr/>
             </a:pPr>
             <a:r>
-              <a:rPr lang="en-US" sz="1000" dirty="0" smtClean="0">
-                <a:latin typeface="Calisto MT"/>
+              <a:rPr lang="en-US" sz="700" dirty="0" smtClean="0">
+                <a:latin typeface="Montserrat"/>
               </a:rPr>
-              <a:t>© Paul </a:t>
-            </a:r>
-            <a:r>
-              <a:rPr lang="en-US" sz="1000" smtClean="0">
-                <a:latin typeface="Calisto MT"/>
+              <a:t>© Paul Fremantle </a:t>
+            </a:r>
+            <a:r>
+              <a:rPr lang="en-US" sz="700" dirty="0" smtClean="0">
+                <a:latin typeface="Montserrat"/>
               </a:rPr>
-              <a:t>Fremantle </a:t>
-            </a:r>
-            <a:r>
-              <a:rPr lang="en-US" sz="1000" smtClean="0">
-                <a:latin typeface="Calisto MT"/>
+              <a:t>2016 except where credited elsewhere. </a:t>
+            </a:r>
+            <a:r>
+              <a:rPr lang="en-US" sz="700" dirty="0" smtClean="0">
+                <a:latin typeface="Montserrat"/>
               </a:rPr>
-              <a:t>2014. </a:t>
-            </a:r>
-            <a:r>
-              <a:rPr lang="en-US" sz="1000" dirty="0" smtClean="0">
-                <a:latin typeface="Calisto MT"/>
-              </a:rPr>
-              <a:t> Portions © Jeremy Gibbons 2010, © WSO2 2005-2012 used with permission of the author(s).</a:t>
+              <a:t> This work is licensed under a Creative Commons</a:t>
             </a:r>
           </a:p>
           <a:p>
@@ -3435,110 +3429,84 @@
               <a:defRPr/>
             </a:pPr>
             <a:r>
-              <a:rPr lang="en-US" sz="1000" dirty="0" smtClean="0">
-                <a:latin typeface="Calisto MT"/>
+              <a:rPr lang="en-US" sz="700" dirty="0" smtClean="0">
+                <a:latin typeface="Montserrat"/>
               </a:rPr>
-              <a:t>Licensed under the Creative Commons 3.0 BY-SA (Attribution-</a:t>
-            </a:r>
-            <a:r>
-              <a:rPr lang="en-US" sz="1000" dirty="0" err="1" smtClean="0">
-                <a:latin typeface="Calisto MT"/>
+              <a:t> Attribution-</a:t>
+            </a:r>
+            <a:r>
+              <a:rPr lang="en-US" sz="700" dirty="0" err="1" smtClean="0">
+                <a:latin typeface="Montserrat"/>
               </a:rPr>
-              <a:t>Sharealike</a:t>
-            </a:r>
-            <a:r>
-              <a:rPr lang="en-US" sz="1000" dirty="0" smtClean="0">
-                <a:latin typeface="Calisto MT"/>
+              <a:t>NonCommercial</a:t>
+            </a:r>
+            <a:r>
+              <a:rPr lang="en-US" sz="700" dirty="0" smtClean="0">
+                <a:latin typeface="Montserrat"/>
               </a:rPr>
-              <a:t>) license.</a:t>
-            </a:r>
-          </a:p>
-          <a:p>
-            <a:pPr algn="l" eaLnBrk="1" hangingPunct="1">
-              <a:defRPr/>
-            </a:pPr>
-            <a:r>
-              <a:rPr lang="en-US" sz="1000" dirty="0" smtClean="0">
-                <a:latin typeface="Calisto MT"/>
+              <a:t>-</a:t>
+            </a:r>
+            <a:r>
+              <a:rPr lang="en-US" sz="700" dirty="0" err="1" smtClean="0">
+                <a:latin typeface="Montserrat"/>
               </a:rPr>
-              <a:t>See </a:t>
-            </a:r>
-            <a:r>
-              <a:rPr lang="en-US" sz="1000" dirty="0" smtClean="0">
-                <a:latin typeface="Calisto MT"/>
+              <a:t>ShareAlike</a:t>
+            </a:r>
+            <a:r>
+              <a:rPr lang="en-US" sz="700" dirty="0" smtClean="0">
+                <a:latin typeface="Montserrat"/>
+              </a:rPr>
+              <a:t> 4.0 International License</a:t>
+            </a:r>
+            <a:br>
+              <a:rPr lang="en-US" sz="700" dirty="0" smtClean="0">
+                <a:latin typeface="Montserrat"/>
+              </a:rPr>
+            </a:br>
+            <a:r>
+              <a:rPr lang="en-US" sz="700" dirty="0" smtClean="0">
+                <a:latin typeface="Montserrat"/>
+              </a:rPr>
+              <a:t>See  </a:t>
+            </a:r>
+            <a:r>
+              <a:rPr lang="en-US" sz="700" dirty="0" smtClean="0">
+                <a:latin typeface="Montserrat"/>
                 <a:hlinkClick r:id="rId13"/>
               </a:rPr>
-              <a:t>http://creativecommons.org/licenses/by-sa/3.0/</a:t>
-            </a:r>
-            <a:r>
-              <a:rPr lang="en-US" sz="1000" dirty="0" smtClean="0">
-                <a:latin typeface="Calisto MT"/>
+              <a:t>http://creativecommons.org/licenses/by-nc-sa/4.0/</a:t>
+            </a:r>
+            <a:r>
+              <a:rPr lang="en-US" sz="700" dirty="0" smtClean="0">
+                <a:latin typeface="Montserrat"/>
               </a:rPr>
               <a:t> </a:t>
             </a:r>
           </a:p>
-          <a:p>
-            <a:pPr algn="l" eaLnBrk="1" hangingPunct="1">
-              <a:defRPr/>
-            </a:pPr>
-            <a:endParaRPr lang="en-US" sz="1000" dirty="0" smtClean="0">
-              <a:latin typeface="Calisto MT"/>
-            </a:endParaRPr>
-          </a:p>
         </p:txBody>
       </p:sp>
       <p:pic>
         <p:nvPicPr>
-          <p:cNvPr id="24" name="Picture 23"/>
+          <p:cNvPr id="7" name="Picture 6"/>
           <p:cNvPicPr>
-            <a:picLocks noChangeAspect="1" noChangeArrowheads="1"/>
+            <a:picLocks noChangeAspect="1"/>
           </p:cNvPicPr>
           <p:nvPr userDrawn="1"/>
         </p:nvPicPr>
         <p:blipFill>
-          <a:blip r:embed="rId14">
-            <a:extLst>
-              <a:ext uri="{28A0092B-C50C-407E-A947-70E740481C1C}">
-                <a14:useLocalDpi xmlns:a14="http://schemas.microsoft.com/office/drawing/2010/main" val="0"/>
-              </a:ext>
-            </a:extLst>
-          </a:blip>
-          <a:srcRect/>
+          <a:blip r:embed="rId14"/>
           <a:stretch>
             <a:fillRect/>
           </a:stretch>
         </p:blipFill>
-        <p:spPr bwMode="auto">
-          <a:xfrm>
-            <a:off x="320764" y="6254746"/>
-            <a:ext cx="725399" cy="258097"/>
+        <p:spPr>
+          <a:xfrm>
+            <a:off x="375635" y="6428175"/>
+            <a:ext cx="792765" cy="279269"/>
           </a:xfrm>
           <a:prstGeom prst="rect">
             <a:avLst/>
           </a:prstGeom>
-          <a:noFill/>
-          <a:ln>
-            <a:noFill/>
-          </a:ln>
-          <a:extLst>
-            <a:ext uri="{909E8E84-426E-40dd-AFC4-6F175D3DCCD1}">
-              <a14:hiddenFill xmlns:a14="http://schemas.microsoft.com/office/drawing/2010/main">
-                <a:solidFill>
-                  <a:srgbClr val="FFFFFF"/>
-                </a:solidFill>
-              </a14:hiddenFill>
-            </a:ext>
-            <a:ext uri="{91240B29-F687-4f45-9708-019B960494DF}">
-              <a14:hiddenLine xmlns:a14="http://schemas.microsoft.com/office/drawing/2010/main" w="9525">
-                <a:solidFill>
-                  <a:srgbClr val="000000"/>
-                </a:solidFill>
-                <a:miter lim="800000"/>
-                <a:headEnd/>
-                <a:tailEnd/>
-              </a14:hiddenLine>
-            </a:ext>
-          </a:extLst>
         </p:spPr>
       </p:pic>
     </p:spTree>
@@ -3573,7 +3541,7 @@
           <a:solidFill>
             <a:schemeClr val="tx1"/>
           </a:solidFill>
-          <a:latin typeface="Calisto MT"/>
+          <a:latin typeface="Montserrat"/>
           <a:ea typeface="+mj-ea"/>
           <a:cs typeface="+mj-cs"/>
         </a:defRPr>
@@ -3590,7 +3558,7 @@
           <a:solidFill>
             <a:schemeClr val="tx1"/>
           </a:solidFill>
-          <a:latin typeface="Calisto MT"/>
+          <a:latin typeface="Montserrat"/>
           <a:ea typeface="+mn-ea"/>
           <a:cs typeface="+mn-cs"/>
         </a:defRPr>
@@ -3605,7 +3573,7 @@
           <a:solidFill>
             <a:schemeClr val="tx1"/>
           </a:solidFill>
-          <a:latin typeface="Calisto MT"/>
+          <a:latin typeface="Montserrat"/>
           <a:ea typeface="+mn-ea"/>
           <a:cs typeface="+mn-cs"/>
         </a:defRPr>
@@ -3620,7 +3588,7 @@
           <a:solidFill>
             <a:schemeClr val="tx1"/>
           </a:solidFill>
-          <a:latin typeface="Calisto MT"/>
+          <a:latin typeface="Montserrat"/>
           <a:ea typeface="+mn-ea"/>
           <a:cs typeface="+mn-cs"/>
         </a:defRPr>
@@ -3635,7 +3603,7 @@
           <a:solidFill>
             <a:schemeClr val="tx1"/>
           </a:solidFill>
-          <a:latin typeface="Calisto MT"/>
+          <a:latin typeface="Montserrat"/>
           <a:ea typeface="+mn-ea"/>
           <a:cs typeface="+mn-cs"/>
         </a:defRPr>
@@ -3650,7 +3618,7 @@
           <a:solidFill>
             <a:schemeClr val="tx1"/>
           </a:solidFill>
-          <a:latin typeface="Calisto MT"/>
+          <a:latin typeface="Montserrat"/>
           <a:ea typeface="+mn-ea"/>
           <a:cs typeface="+mn-cs"/>
         </a:defRPr>
